--- a/decks/Module5/Eplainer Video 4.pptx
+++ b/decks/Module5/Eplainer Video 4.pptx
@@ -8,9 +8,7 @@
     <p:sldId id="256" r:id="rId2"/>
     <p:sldId id="258" r:id="rId3"/>
     <p:sldId id="259" r:id="rId4"/>
-    <p:sldId id="260" r:id="rId5"/>
-    <p:sldId id="261" r:id="rId6"/>
-    <p:sldId id="262" r:id="rId7"/>
+    <p:sldId id="261" r:id="rId5"/>
   </p:sldIdLst>
   <p:sldSz cx="12192000" cy="6858000"/>
   <p:notesSz cx="6858000" cy="9144000"/>
@@ -129,13 +127,35 @@
 <pc:chgInfo xmlns:a="http://schemas.openxmlformats.org/drawingml/2006/main" xmlns:r="http://schemas.openxmlformats.org/officeDocument/2006/relationships" xmlns:ac="http://schemas.microsoft.com/office/drawing/2013/main/command" xmlns:pc="http://schemas.microsoft.com/office/powerpoint/2013/main/command">
   <pc:docChgLst>
     <pc:chgData name="Gunnvant Saini" userId="93c4ddfd9869a0cf" providerId="LiveId" clId="{24902892-7FAF-0547-A086-2276CB36C54F}"/>
-    <pc:docChg chg="custSel addSld modSld">
-      <pc:chgData name="Gunnvant Saini" userId="93c4ddfd9869a0cf" providerId="LiveId" clId="{24902892-7FAF-0547-A086-2276CB36C54F}" dt="2022-05-17T11:56:42.541" v="134" actId="1076"/>
+    <pc:docChg chg="custSel addSld delSld modSld">
+      <pc:chgData name="Gunnvant Saini" userId="93c4ddfd9869a0cf" providerId="LiveId" clId="{24902892-7FAF-0547-A086-2276CB36C54F}" dt="2022-05-25T09:50:21.832" v="147" actId="2696"/>
       <pc:docMkLst>
         <pc:docMk/>
       </pc:docMkLst>
-      <pc:sldChg chg="addSp delSp modSp new mod">
-        <pc:chgData name="Gunnvant Saini" userId="93c4ddfd9869a0cf" providerId="LiveId" clId="{24902892-7FAF-0547-A086-2276CB36C54F}" dt="2022-05-17T11:56:42.541" v="134" actId="1076"/>
+      <pc:sldChg chg="del">
+        <pc:chgData name="Gunnvant Saini" userId="93c4ddfd9869a0cf" providerId="LiveId" clId="{24902892-7FAF-0547-A086-2276CB36C54F}" dt="2022-05-25T09:48:28.410" v="135" actId="2696"/>
+        <pc:sldMkLst>
+          <pc:docMk/>
+          <pc:sldMk cId="1163009236" sldId="260"/>
+        </pc:sldMkLst>
+      </pc:sldChg>
+      <pc:sldChg chg="modSp mod">
+        <pc:chgData name="Gunnvant Saini" userId="93c4ddfd9869a0cf" providerId="LiveId" clId="{24902892-7FAF-0547-A086-2276CB36C54F}" dt="2022-05-25T09:49:10.029" v="146" actId="20577"/>
+        <pc:sldMkLst>
+          <pc:docMk/>
+          <pc:sldMk cId="3218007679" sldId="261"/>
+        </pc:sldMkLst>
+        <pc:graphicFrameChg chg="modGraphic">
+          <ac:chgData name="Gunnvant Saini" userId="93c4ddfd9869a0cf" providerId="LiveId" clId="{24902892-7FAF-0547-A086-2276CB36C54F}" dt="2022-05-25T09:49:10.029" v="146" actId="20577"/>
+          <ac:graphicFrameMkLst>
+            <pc:docMk/>
+            <pc:sldMk cId="3218007679" sldId="261"/>
+            <ac:graphicFrameMk id="6" creationId="{560D9F8D-9BBF-DC4D-E469-AF9C300D002A}"/>
+          </ac:graphicFrameMkLst>
+        </pc:graphicFrameChg>
+      </pc:sldChg>
+      <pc:sldChg chg="addSp delSp modSp new del mod">
+        <pc:chgData name="Gunnvant Saini" userId="93c4ddfd9869a0cf" providerId="LiveId" clId="{24902892-7FAF-0547-A086-2276CB36C54F}" dt="2022-05-25T09:50:21.832" v="147" actId="2696"/>
         <pc:sldMkLst>
           <pc:docMk/>
           <pc:sldMk cId="2962219392" sldId="262"/>
@@ -359,7 +379,7 @@
           <a:p>
             <a:fld id="{6D1C9F71-7374-494A-8EA9-951A56BC754F}" type="datetimeFigureOut">
               <a:rPr lang="en-US" smtClean="0"/>
-              <a:t>5/17/22</a:t>
+              <a:t>5/25/22</a:t>
             </a:fld>
             <a:endParaRPr lang="en-US"/>
           </a:p>
@@ -559,7 +579,7 @@
           <a:p>
             <a:fld id="{6D1C9F71-7374-494A-8EA9-951A56BC754F}" type="datetimeFigureOut">
               <a:rPr lang="en-US" smtClean="0"/>
-              <a:t>5/17/22</a:t>
+              <a:t>5/25/22</a:t>
             </a:fld>
             <a:endParaRPr lang="en-US"/>
           </a:p>
@@ -769,7 +789,7 @@
           <a:p>
             <a:fld id="{6D1C9F71-7374-494A-8EA9-951A56BC754F}" type="datetimeFigureOut">
               <a:rPr lang="en-US" smtClean="0"/>
-              <a:t>5/17/22</a:t>
+              <a:t>5/25/22</a:t>
             </a:fld>
             <a:endParaRPr lang="en-US"/>
           </a:p>
@@ -969,7 +989,7 @@
           <a:p>
             <a:fld id="{6D1C9F71-7374-494A-8EA9-951A56BC754F}" type="datetimeFigureOut">
               <a:rPr lang="en-US" smtClean="0"/>
-              <a:t>5/17/22</a:t>
+              <a:t>5/25/22</a:t>
             </a:fld>
             <a:endParaRPr lang="en-US"/>
           </a:p>
@@ -1245,7 +1265,7 @@
           <a:p>
             <a:fld id="{6D1C9F71-7374-494A-8EA9-951A56BC754F}" type="datetimeFigureOut">
               <a:rPr lang="en-US" smtClean="0"/>
-              <a:t>5/17/22</a:t>
+              <a:t>5/25/22</a:t>
             </a:fld>
             <a:endParaRPr lang="en-US"/>
           </a:p>
@@ -1513,7 +1533,7 @@
           <a:p>
             <a:fld id="{6D1C9F71-7374-494A-8EA9-951A56BC754F}" type="datetimeFigureOut">
               <a:rPr lang="en-US" smtClean="0"/>
-              <a:t>5/17/22</a:t>
+              <a:t>5/25/22</a:t>
             </a:fld>
             <a:endParaRPr lang="en-US"/>
           </a:p>
@@ -1928,7 +1948,7 @@
           <a:p>
             <a:fld id="{6D1C9F71-7374-494A-8EA9-951A56BC754F}" type="datetimeFigureOut">
               <a:rPr lang="en-US" smtClean="0"/>
-              <a:t>5/17/22</a:t>
+              <a:t>5/25/22</a:t>
             </a:fld>
             <a:endParaRPr lang="en-US"/>
           </a:p>
@@ -2070,7 +2090,7 @@
           <a:p>
             <a:fld id="{6D1C9F71-7374-494A-8EA9-951A56BC754F}" type="datetimeFigureOut">
               <a:rPr lang="en-US" smtClean="0"/>
-              <a:t>5/17/22</a:t>
+              <a:t>5/25/22</a:t>
             </a:fld>
             <a:endParaRPr lang="en-US"/>
           </a:p>
@@ -2183,7 +2203,7 @@
           <a:p>
             <a:fld id="{6D1C9F71-7374-494A-8EA9-951A56BC754F}" type="datetimeFigureOut">
               <a:rPr lang="en-US" smtClean="0"/>
-              <a:t>5/17/22</a:t>
+              <a:t>5/25/22</a:t>
             </a:fld>
             <a:endParaRPr lang="en-US"/>
           </a:p>
@@ -2496,7 +2516,7 @@
           <a:p>
             <a:fld id="{6D1C9F71-7374-494A-8EA9-951A56BC754F}" type="datetimeFigureOut">
               <a:rPr lang="en-US" smtClean="0"/>
-              <a:t>5/17/22</a:t>
+              <a:t>5/25/22</a:t>
             </a:fld>
             <a:endParaRPr lang="en-US"/>
           </a:p>
@@ -2785,7 +2805,7 @@
           <a:p>
             <a:fld id="{6D1C9F71-7374-494A-8EA9-951A56BC754F}" type="datetimeFigureOut">
               <a:rPr lang="en-US" smtClean="0"/>
-              <a:t>5/17/22</a:t>
+              <a:t>5/25/22</a:t>
             </a:fld>
             <a:endParaRPr lang="en-US"/>
           </a:p>
@@ -3028,7 +3048,7 @@
           <a:p>
             <a:fld id="{6D1C9F71-7374-494A-8EA9-951A56BC754F}" type="datetimeFigureOut">
               <a:rPr lang="en-US" smtClean="0"/>
-              <a:t>5/17/22</a:t>
+              <a:t>5/25/22</a:t>
             </a:fld>
             <a:endParaRPr lang="en-US"/>
           </a:p>
@@ -4692,24 +4712,22 @@
                     <a:lstStyle/>
                     <a:p>
                       <a:r>
-                        <a:rPr lang="en-US" sz="1400" dirty="0" err="1"/>
+                        <a:rPr lang="en-US" sz="1400" dirty="0"/>
                         <a:t>Transaction_id</a:t>
                       </a:r>
-                      <a:endParaRPr lang="en-US" sz="1400" dirty="0"/>
-                    </a:p>
-                  </a:txBody>
-                  <a:tcPr/>
-                </a:tc>
-                <a:tc>
-                  <a:txBody>
-                    <a:bodyPr/>
-                    <a:lstStyle/>
-                    <a:p>
-                      <a:r>
-                        <a:rPr lang="en-US" sz="1400" dirty="0" err="1"/>
+                    </a:p>
+                  </a:txBody>
+                  <a:tcPr/>
+                </a:tc>
+                <a:tc>
+                  <a:txBody>
+                    <a:bodyPr/>
+                    <a:lstStyle/>
+                    <a:p>
+                      <a:r>
+                        <a:rPr lang="en-US" sz="1400" dirty="0"/>
                         <a:t>Product_id</a:t>
                       </a:r>
-                      <a:endParaRPr lang="en-US" sz="1400" dirty="0"/>
                     </a:p>
                   </a:txBody>
                   <a:tcPr/>
@@ -5209,7 +5227,7 @@
           <p:nvPr>
             <p:extLst>
               <p:ext uri="{D42A27DB-BD31-4B8C-83A1-F6EECF244321}">
-                <p14:modId xmlns:p14="http://schemas.microsoft.com/office/powerpoint/2010/main" val="480938095"/>
+                <p14:modId xmlns:p14="http://schemas.microsoft.com/office/powerpoint/2010/main" val="780007629"/>
               </p:ext>
             </p:extLst>
           </p:nvPr>
@@ -5261,7 +5279,7 @@
                     <a:p>
                       <a:r>
                         <a:rPr lang="en-US" dirty="0"/>
-                        <a:t>Amount</a:t>
+                        <a:t>Total</a:t>
                       </a:r>
                     </a:p>
                   </a:txBody>
@@ -5417,842 +5435,6 @@
           </a:fontRef>
         </p:style>
       </p:cxnSp>
-    </p:spTree>
-    <p:extLst>
-      <p:ext uri="{BB962C8B-B14F-4D97-AF65-F5344CB8AC3E}">
-        <p14:creationId xmlns:p14="http://schemas.microsoft.com/office/powerpoint/2010/main" val="1163009236"/>
-      </p:ext>
-    </p:extLst>
-  </p:cSld>
-  <p:clrMapOvr>
-    <a:masterClrMapping/>
-  </p:clrMapOvr>
-</p:sld>
-</file>
-
-<file path=ppt/slides/slide5.xml><?xml version="1.0" encoding="utf-8"?>
-<p:sld xmlns:a="http://schemas.openxmlformats.org/drawingml/2006/main" xmlns:r="http://schemas.openxmlformats.org/officeDocument/2006/relationships" xmlns:p="http://schemas.openxmlformats.org/presentationml/2006/main">
-  <p:cSld>
-    <p:spTree>
-      <p:nvGrpSpPr>
-        <p:cNvPr id="1" name=""/>
-        <p:cNvGrpSpPr/>
-        <p:nvPr/>
-      </p:nvGrpSpPr>
-      <p:grpSpPr>
-        <a:xfrm>
-          <a:off x="0" y="0"/>
-          <a:ext cx="0" cy="0"/>
-          <a:chOff x="0" y="0"/>
-          <a:chExt cx="0" cy="0"/>
-        </a:xfrm>
-      </p:grpSpPr>
-      <p:sp>
-        <p:nvSpPr>
-          <p:cNvPr id="2" name="Title 1">
-            <a:extLst>
-              <a:ext uri="{FF2B5EF4-FFF2-40B4-BE49-F238E27FC236}">
-                <a16:creationId xmlns:a16="http://schemas.microsoft.com/office/drawing/2014/main" id="{C0A2489F-9304-438B-9C50-FC195D2A5E72}"/>
-              </a:ext>
-            </a:extLst>
-          </p:cNvPr>
-          <p:cNvSpPr>
-            <a:spLocks noGrp="1"/>
-          </p:cNvSpPr>
-          <p:nvPr>
-            <p:ph type="title"/>
-          </p:nvPr>
-        </p:nvSpPr>
-        <p:spPr/>
-        <p:txBody>
-          <a:bodyPr/>
-          <a:lstStyle/>
-          <a:p>
-            <a:r>
-              <a:rPr lang="en-US" b="1" dirty="0"/>
-              <a:t>Why Sub Queries and Common Table Expressions</a:t>
-            </a:r>
-          </a:p>
-        </p:txBody>
-      </p:sp>
-      <p:graphicFrame>
-        <p:nvGraphicFramePr>
-          <p:cNvPr id="4" name="Table 4">
-            <a:extLst>
-              <a:ext uri="{FF2B5EF4-FFF2-40B4-BE49-F238E27FC236}">
-                <a16:creationId xmlns:a16="http://schemas.microsoft.com/office/drawing/2014/main" id="{45B1D805-20DB-4AF2-DE7C-6328DDB2C900}"/>
-              </a:ext>
-            </a:extLst>
-          </p:cNvPr>
-          <p:cNvGraphicFramePr>
-            <a:graphicFrameLocks noGrp="1"/>
-          </p:cNvGraphicFramePr>
-          <p:nvPr/>
-        </p:nvGraphicFramePr>
-        <p:xfrm>
-          <a:off x="375478" y="1904511"/>
-          <a:ext cx="5588000" cy="1891015"/>
-        </p:xfrm>
-        <a:graphic>
-          <a:graphicData uri="http://schemas.openxmlformats.org/drawingml/2006/table">
-            <a:tbl>
-              <a:tblPr firstRow="1" bandRow="1">
-                <a:tableStyleId>{5C22544A-7EE6-4342-B048-85BDC9FD1C3A}</a:tableStyleId>
-              </a:tblPr>
-              <a:tblGrid>
-                <a:gridCol w="1397000">
-                  <a:extLst>
-                    <a:ext uri="{9D8B030D-6E8A-4147-A177-3AD203B41FA5}">
-                      <a16:colId xmlns:a16="http://schemas.microsoft.com/office/drawing/2014/main" val="1464478650"/>
-                    </a:ext>
-                  </a:extLst>
-                </a:gridCol>
-                <a:gridCol w="1397000">
-                  <a:extLst>
-                    <a:ext uri="{9D8B030D-6E8A-4147-A177-3AD203B41FA5}">
-                      <a16:colId xmlns:a16="http://schemas.microsoft.com/office/drawing/2014/main" val="3903310524"/>
-                    </a:ext>
-                  </a:extLst>
-                </a:gridCol>
-                <a:gridCol w="1397000">
-                  <a:extLst>
-                    <a:ext uri="{9D8B030D-6E8A-4147-A177-3AD203B41FA5}">
-                      <a16:colId xmlns:a16="http://schemas.microsoft.com/office/drawing/2014/main" val="868819948"/>
-                    </a:ext>
-                  </a:extLst>
-                </a:gridCol>
-                <a:gridCol w="1397000">
-                  <a:extLst>
-                    <a:ext uri="{9D8B030D-6E8A-4147-A177-3AD203B41FA5}">
-                      <a16:colId xmlns:a16="http://schemas.microsoft.com/office/drawing/2014/main" val="1939521485"/>
-                    </a:ext>
-                  </a:extLst>
-                </a:gridCol>
-              </a:tblGrid>
-              <a:tr h="378203">
-                <a:tc>
-                  <a:txBody>
-                    <a:bodyPr/>
-                    <a:lstStyle/>
-                    <a:p>
-                      <a:r>
-                        <a:rPr lang="en-US" sz="1400" dirty="0"/>
-                        <a:t>Transaction_id</a:t>
-                      </a:r>
-                    </a:p>
-                  </a:txBody>
-                  <a:tcPr/>
-                </a:tc>
-                <a:tc>
-                  <a:txBody>
-                    <a:bodyPr/>
-                    <a:lstStyle/>
-                    <a:p>
-                      <a:r>
-                        <a:rPr lang="en-US" sz="1400" dirty="0"/>
-                        <a:t>Product_id</a:t>
-                      </a:r>
-                    </a:p>
-                  </a:txBody>
-                  <a:tcPr/>
-                </a:tc>
-                <a:tc>
-                  <a:txBody>
-                    <a:bodyPr/>
-                    <a:lstStyle/>
-                    <a:p>
-                      <a:r>
-                        <a:rPr lang="en-US" sz="1400" dirty="0"/>
-                        <a:t>City</a:t>
-                      </a:r>
-                    </a:p>
-                  </a:txBody>
-                  <a:tcPr/>
-                </a:tc>
-                <a:tc>
-                  <a:txBody>
-                    <a:bodyPr/>
-                    <a:lstStyle/>
-                    <a:p>
-                      <a:r>
-                        <a:rPr lang="en-US" sz="1400" dirty="0"/>
-                        <a:t>Amount</a:t>
-                      </a:r>
-                    </a:p>
-                  </a:txBody>
-                  <a:tcPr/>
-                </a:tc>
-                <a:extLst>
-                  <a:ext uri="{0D108BD9-81ED-4DB2-BD59-A6C34878D82A}">
-                    <a16:rowId xmlns:a16="http://schemas.microsoft.com/office/drawing/2014/main" val="3434892924"/>
-                  </a:ext>
-                </a:extLst>
-              </a:tr>
-              <a:tr h="378203">
-                <a:tc>
-                  <a:txBody>
-                    <a:bodyPr/>
-                    <a:lstStyle/>
-                    <a:p>
-                      <a:r>
-                        <a:rPr lang="en-US" dirty="0"/>
-                        <a:t>1</a:t>
-                      </a:r>
-                    </a:p>
-                  </a:txBody>
-                  <a:tcPr/>
-                </a:tc>
-                <a:tc>
-                  <a:txBody>
-                    <a:bodyPr/>
-                    <a:lstStyle/>
-                    <a:p>
-                      <a:r>
-                        <a:rPr lang="en-US" dirty="0"/>
-                        <a:t>A01</a:t>
-                      </a:r>
-                    </a:p>
-                  </a:txBody>
-                  <a:tcPr/>
-                </a:tc>
-                <a:tc>
-                  <a:txBody>
-                    <a:bodyPr/>
-                    <a:lstStyle/>
-                    <a:p>
-                      <a:r>
-                        <a:rPr lang="en-US" dirty="0"/>
-                        <a:t>Chicago</a:t>
-                      </a:r>
-                    </a:p>
-                  </a:txBody>
-                  <a:tcPr/>
-                </a:tc>
-                <a:tc>
-                  <a:txBody>
-                    <a:bodyPr/>
-                    <a:lstStyle/>
-                    <a:p>
-                      <a:r>
-                        <a:rPr lang="en-US" dirty="0"/>
-                        <a:t>200</a:t>
-                      </a:r>
-                    </a:p>
-                  </a:txBody>
-                  <a:tcPr/>
-                </a:tc>
-                <a:extLst>
-                  <a:ext uri="{0D108BD9-81ED-4DB2-BD59-A6C34878D82A}">
-                    <a16:rowId xmlns:a16="http://schemas.microsoft.com/office/drawing/2014/main" val="3782504765"/>
-                  </a:ext>
-                </a:extLst>
-              </a:tr>
-              <a:tr h="378203">
-                <a:tc>
-                  <a:txBody>
-                    <a:bodyPr/>
-                    <a:lstStyle/>
-                    <a:p>
-                      <a:r>
-                        <a:rPr lang="en-US" dirty="0"/>
-                        <a:t>2</a:t>
-                      </a:r>
-                    </a:p>
-                  </a:txBody>
-                  <a:tcPr/>
-                </a:tc>
-                <a:tc>
-                  <a:txBody>
-                    <a:bodyPr/>
-                    <a:lstStyle/>
-                    <a:p>
-                      <a:r>
-                        <a:rPr lang="en-US" dirty="0"/>
-                        <a:t>A02</a:t>
-                      </a:r>
-                    </a:p>
-                  </a:txBody>
-                  <a:tcPr/>
-                </a:tc>
-                <a:tc>
-                  <a:txBody>
-                    <a:bodyPr/>
-                    <a:lstStyle/>
-                    <a:p>
-                      <a:r>
-                        <a:rPr lang="en-US" dirty="0"/>
-                        <a:t>New York</a:t>
-                      </a:r>
-                    </a:p>
-                  </a:txBody>
-                  <a:tcPr/>
-                </a:tc>
-                <a:tc>
-                  <a:txBody>
-                    <a:bodyPr/>
-                    <a:lstStyle/>
-                    <a:p>
-                      <a:r>
-                        <a:rPr lang="en-US" dirty="0"/>
-                        <a:t>150</a:t>
-                      </a:r>
-                    </a:p>
-                  </a:txBody>
-                  <a:tcPr/>
-                </a:tc>
-                <a:extLst>
-                  <a:ext uri="{0D108BD9-81ED-4DB2-BD59-A6C34878D82A}">
-                    <a16:rowId xmlns:a16="http://schemas.microsoft.com/office/drawing/2014/main" val="618223329"/>
-                  </a:ext>
-                </a:extLst>
-              </a:tr>
-              <a:tr h="378203">
-                <a:tc>
-                  <a:txBody>
-                    <a:bodyPr/>
-                    <a:lstStyle/>
-                    <a:p>
-                      <a:r>
-                        <a:rPr lang="en-US" dirty="0"/>
-                        <a:t>3</a:t>
-                      </a:r>
-                    </a:p>
-                  </a:txBody>
-                  <a:tcPr/>
-                </a:tc>
-                <a:tc>
-                  <a:txBody>
-                    <a:bodyPr/>
-                    <a:lstStyle/>
-                    <a:p>
-                      <a:r>
-                        <a:rPr lang="en-US" dirty="0"/>
-                        <a:t>Z02</a:t>
-                      </a:r>
-                    </a:p>
-                  </a:txBody>
-                  <a:tcPr/>
-                </a:tc>
-                <a:tc>
-                  <a:txBody>
-                    <a:bodyPr/>
-                    <a:lstStyle/>
-                    <a:p>
-                      <a:r>
-                        <a:rPr lang="en-US" dirty="0"/>
-                        <a:t>New York</a:t>
-                      </a:r>
-                    </a:p>
-                  </a:txBody>
-                  <a:tcPr/>
-                </a:tc>
-                <a:tc>
-                  <a:txBody>
-                    <a:bodyPr/>
-                    <a:lstStyle/>
-                    <a:p>
-                      <a:r>
-                        <a:rPr lang="en-US" dirty="0"/>
-                        <a:t>600</a:t>
-                      </a:r>
-                    </a:p>
-                  </a:txBody>
-                  <a:tcPr/>
-                </a:tc>
-                <a:extLst>
-                  <a:ext uri="{0D108BD9-81ED-4DB2-BD59-A6C34878D82A}">
-                    <a16:rowId xmlns:a16="http://schemas.microsoft.com/office/drawing/2014/main" val="1725787119"/>
-                  </a:ext>
-                </a:extLst>
-              </a:tr>
-              <a:tr h="378203">
-                <a:tc>
-                  <a:txBody>
-                    <a:bodyPr/>
-                    <a:lstStyle/>
-                    <a:p>
-                      <a:r>
-                        <a:rPr lang="en-US" dirty="0"/>
-                        <a:t>..</a:t>
-                      </a:r>
-                    </a:p>
-                  </a:txBody>
-                  <a:tcPr/>
-                </a:tc>
-                <a:tc>
-                  <a:txBody>
-                    <a:bodyPr/>
-                    <a:lstStyle/>
-                    <a:p>
-                      <a:r>
-                        <a:rPr lang="en-US" dirty="0"/>
-                        <a:t>..</a:t>
-                      </a:r>
-                    </a:p>
-                  </a:txBody>
-                  <a:tcPr/>
-                </a:tc>
-                <a:tc>
-                  <a:txBody>
-                    <a:bodyPr/>
-                    <a:lstStyle/>
-                    <a:p>
-                      <a:r>
-                        <a:rPr lang="en-US" dirty="0"/>
-                        <a:t>…</a:t>
-                      </a:r>
-                    </a:p>
-                  </a:txBody>
-                  <a:tcPr/>
-                </a:tc>
-                <a:tc>
-                  <a:txBody>
-                    <a:bodyPr/>
-                    <a:lstStyle/>
-                    <a:p>
-                      <a:endParaRPr lang="en-US" dirty="0"/>
-                    </a:p>
-                  </a:txBody>
-                  <a:tcPr/>
-                </a:tc>
-                <a:extLst>
-                  <a:ext uri="{0D108BD9-81ED-4DB2-BD59-A6C34878D82A}">
-                    <a16:rowId xmlns:a16="http://schemas.microsoft.com/office/drawing/2014/main" val="800261707"/>
-                  </a:ext>
-                </a:extLst>
-              </a:tr>
-            </a:tbl>
-          </a:graphicData>
-        </a:graphic>
-      </p:graphicFrame>
-      <p:sp>
-        <p:nvSpPr>
-          <p:cNvPr id="5" name="TextBox 4">
-            <a:extLst>
-              <a:ext uri="{FF2B5EF4-FFF2-40B4-BE49-F238E27FC236}">
-                <a16:creationId xmlns:a16="http://schemas.microsoft.com/office/drawing/2014/main" id="{BE88F1AA-DAC1-B01D-F103-7713A20515A5}"/>
-              </a:ext>
-            </a:extLst>
-          </p:cNvPr>
-          <p:cNvSpPr txBox="1"/>
-          <p:nvPr/>
-        </p:nvSpPr>
-        <p:spPr>
-          <a:xfrm>
-            <a:off x="2193236" y="3869638"/>
-            <a:ext cx="1634434" cy="369332"/>
-          </a:xfrm>
-          <a:prstGeom prst="rect">
-            <a:avLst/>
-          </a:prstGeom>
-          <a:noFill/>
-        </p:spPr>
-        <p:txBody>
-          <a:bodyPr wrap="square" rtlCol="0">
-            <a:spAutoFit/>
-          </a:bodyPr>
-          <a:lstStyle/>
-          <a:p>
-            <a:r>
-              <a:rPr lang="en-US" dirty="0"/>
-              <a:t>Transactions</a:t>
-            </a:r>
-          </a:p>
-        </p:txBody>
-      </p:sp>
-      <p:sp>
-        <p:nvSpPr>
-          <p:cNvPr id="3" name="Rectangle 2">
-            <a:extLst>
-              <a:ext uri="{FF2B5EF4-FFF2-40B4-BE49-F238E27FC236}">
-                <a16:creationId xmlns:a16="http://schemas.microsoft.com/office/drawing/2014/main" id="{F84247D5-A6E4-A6ED-B490-16E1B9FA441D}"/>
-              </a:ext>
-            </a:extLst>
-          </p:cNvPr>
-          <p:cNvSpPr/>
-          <p:nvPr/>
-        </p:nvSpPr>
-        <p:spPr>
-          <a:xfrm>
-            <a:off x="6228524" y="1904511"/>
-            <a:ext cx="4916554" cy="1200329"/>
-          </a:xfrm>
-          <a:prstGeom prst="rect">
-            <a:avLst/>
-          </a:prstGeom>
-          <a:solidFill>
-            <a:schemeClr val="tx1"/>
-          </a:solidFill>
-        </p:spPr>
-        <p:txBody>
-          <a:bodyPr wrap="square">
-            <a:spAutoFit/>
-          </a:bodyPr>
-          <a:lstStyle/>
-          <a:p>
-            <a:r>
-              <a:rPr lang="en-IN" b="0" dirty="0">
-                <a:solidFill>
-                  <a:srgbClr val="569CD6"/>
-                </a:solidFill>
-                <a:effectLst/>
-                <a:latin typeface="Menlo" panose="020B0609030804020204" pitchFamily="49" charset="0"/>
-              </a:rPr>
-              <a:t>select</a:t>
-            </a:r>
-            <a:r>
-              <a:rPr lang="en-IN" b="0" dirty="0">
-                <a:solidFill>
-                  <a:srgbClr val="D4D4D4"/>
-                </a:solidFill>
-                <a:effectLst/>
-                <a:latin typeface="Menlo" panose="020B0609030804020204" pitchFamily="49" charset="0"/>
-              </a:rPr>
-              <a:t> city, </a:t>
-            </a:r>
-            <a:r>
-              <a:rPr lang="en-IN" b="0" dirty="0">
-                <a:solidFill>
-                  <a:srgbClr val="DCDCAA"/>
-                </a:solidFill>
-                <a:effectLst/>
-                <a:latin typeface="Menlo" panose="020B0609030804020204" pitchFamily="49" charset="0"/>
-              </a:rPr>
-              <a:t>sum</a:t>
-            </a:r>
-            <a:r>
-              <a:rPr lang="en-IN" b="0" dirty="0">
-                <a:solidFill>
-                  <a:srgbClr val="D4D4D4"/>
-                </a:solidFill>
-                <a:effectLst/>
-                <a:latin typeface="Menlo" panose="020B0609030804020204" pitchFamily="49" charset="0"/>
-              </a:rPr>
-              <a:t>(amount) </a:t>
-            </a:r>
-            <a:r>
-              <a:rPr lang="en-IN" b="0" dirty="0">
-                <a:solidFill>
-                  <a:srgbClr val="569CD6"/>
-                </a:solidFill>
-                <a:effectLst/>
-                <a:latin typeface="Menlo" panose="020B0609030804020204" pitchFamily="49" charset="0"/>
-              </a:rPr>
-              <a:t>as</a:t>
-            </a:r>
-            <a:r>
-              <a:rPr lang="en-IN" b="0" dirty="0">
-                <a:solidFill>
-                  <a:srgbClr val="D4D4D4"/>
-                </a:solidFill>
-                <a:effectLst/>
-                <a:latin typeface="Menlo" panose="020B0609030804020204" pitchFamily="49" charset="0"/>
-              </a:rPr>
-              <a:t> total</a:t>
-            </a:r>
-          </a:p>
-          <a:p>
-            <a:r>
-              <a:rPr lang="en-IN" b="0" dirty="0">
-                <a:solidFill>
-                  <a:srgbClr val="569CD6"/>
-                </a:solidFill>
-                <a:effectLst/>
-                <a:latin typeface="Menlo" panose="020B0609030804020204" pitchFamily="49" charset="0"/>
-              </a:rPr>
-              <a:t>from</a:t>
-            </a:r>
-            <a:r>
-              <a:rPr lang="en-IN" b="0" dirty="0">
-                <a:solidFill>
-                  <a:srgbClr val="D4D4D4"/>
-                </a:solidFill>
-                <a:effectLst/>
-                <a:latin typeface="Menlo" panose="020B0609030804020204" pitchFamily="49" charset="0"/>
-              </a:rPr>
-              <a:t> transactions</a:t>
-            </a:r>
-          </a:p>
-          <a:p>
-            <a:r>
-              <a:rPr lang="en-IN" b="0" dirty="0">
-                <a:solidFill>
-                  <a:srgbClr val="569CD6"/>
-                </a:solidFill>
-                <a:effectLst/>
-                <a:latin typeface="Menlo" panose="020B0609030804020204" pitchFamily="49" charset="0"/>
-              </a:rPr>
-              <a:t>group by</a:t>
-            </a:r>
-            <a:r>
-              <a:rPr lang="en-IN" b="0" dirty="0">
-                <a:solidFill>
-                  <a:srgbClr val="D4D4D4"/>
-                </a:solidFill>
-                <a:effectLst/>
-                <a:latin typeface="Menlo" panose="020B0609030804020204" pitchFamily="49" charset="0"/>
-              </a:rPr>
-              <a:t> city</a:t>
-            </a:r>
-          </a:p>
-          <a:p>
-            <a:r>
-              <a:rPr lang="en-IN" b="0" dirty="0">
-                <a:solidFill>
-                  <a:srgbClr val="569CD6"/>
-                </a:solidFill>
-                <a:effectLst/>
-                <a:latin typeface="Menlo" panose="020B0609030804020204" pitchFamily="49" charset="0"/>
-              </a:rPr>
-              <a:t>order by</a:t>
-            </a:r>
-            <a:r>
-              <a:rPr lang="en-IN" b="0" dirty="0">
-                <a:solidFill>
-                  <a:srgbClr val="D4D4D4"/>
-                </a:solidFill>
-                <a:effectLst/>
-                <a:latin typeface="Menlo" panose="020B0609030804020204" pitchFamily="49" charset="0"/>
-              </a:rPr>
-              <a:t> total </a:t>
-            </a:r>
-            <a:r>
-              <a:rPr lang="en-IN" b="0" dirty="0">
-                <a:solidFill>
-                  <a:srgbClr val="569CD6"/>
-                </a:solidFill>
-                <a:effectLst/>
-                <a:latin typeface="Menlo" panose="020B0609030804020204" pitchFamily="49" charset="0"/>
-              </a:rPr>
-              <a:t>desc</a:t>
-            </a:r>
-            <a:endParaRPr lang="en-IN" b="0" dirty="0">
-              <a:solidFill>
-                <a:srgbClr val="D4D4D4"/>
-              </a:solidFill>
-              <a:effectLst/>
-              <a:latin typeface="Menlo" panose="020B0609030804020204" pitchFamily="49" charset="0"/>
-            </a:endParaRPr>
-          </a:p>
-        </p:txBody>
-      </p:sp>
-      <p:graphicFrame>
-        <p:nvGraphicFramePr>
-          <p:cNvPr id="6" name="Table 6">
-            <a:extLst>
-              <a:ext uri="{FF2B5EF4-FFF2-40B4-BE49-F238E27FC236}">
-                <a16:creationId xmlns:a16="http://schemas.microsoft.com/office/drawing/2014/main" id="{560D9F8D-9BBF-DC4D-E469-AF9C300D002A}"/>
-              </a:ext>
-            </a:extLst>
-          </p:cNvPr>
-          <p:cNvGraphicFramePr>
-            <a:graphicFrameLocks noGrp="1"/>
-          </p:cNvGraphicFramePr>
-          <p:nvPr/>
-        </p:nvGraphicFramePr>
-        <p:xfrm>
-          <a:off x="6165022" y="4735075"/>
-          <a:ext cx="3707848" cy="1483360"/>
-        </p:xfrm>
-        <a:graphic>
-          <a:graphicData uri="http://schemas.openxmlformats.org/drawingml/2006/table">
-            <a:tbl>
-              <a:tblPr firstRow="1" bandRow="1">
-                <a:tableStyleId>{5C22544A-7EE6-4342-B048-85BDC9FD1C3A}</a:tableStyleId>
-              </a:tblPr>
-              <a:tblGrid>
-                <a:gridCol w="1853924">
-                  <a:extLst>
-                    <a:ext uri="{9D8B030D-6E8A-4147-A177-3AD203B41FA5}">
-                      <a16:colId xmlns:a16="http://schemas.microsoft.com/office/drawing/2014/main" val="4229831170"/>
-                    </a:ext>
-                  </a:extLst>
-                </a:gridCol>
-                <a:gridCol w="1853924">
-                  <a:extLst>
-                    <a:ext uri="{9D8B030D-6E8A-4147-A177-3AD203B41FA5}">
-                      <a16:colId xmlns:a16="http://schemas.microsoft.com/office/drawing/2014/main" val="438033646"/>
-                    </a:ext>
-                  </a:extLst>
-                </a:gridCol>
-              </a:tblGrid>
-              <a:tr h="370840">
-                <a:tc>
-                  <a:txBody>
-                    <a:bodyPr/>
-                    <a:lstStyle/>
-                    <a:p>
-                      <a:r>
-                        <a:rPr lang="en-US" dirty="0"/>
-                        <a:t>City</a:t>
-                      </a:r>
-                    </a:p>
-                  </a:txBody>
-                  <a:tcPr/>
-                </a:tc>
-                <a:tc>
-                  <a:txBody>
-                    <a:bodyPr/>
-                    <a:lstStyle/>
-                    <a:p>
-                      <a:r>
-                        <a:rPr lang="en-US" dirty="0"/>
-                        <a:t>Amount</a:t>
-                      </a:r>
-                    </a:p>
-                  </a:txBody>
-                  <a:tcPr/>
-                </a:tc>
-                <a:extLst>
-                  <a:ext uri="{0D108BD9-81ED-4DB2-BD59-A6C34878D82A}">
-                    <a16:rowId xmlns:a16="http://schemas.microsoft.com/office/drawing/2014/main" val="645932229"/>
-                  </a:ext>
-                </a:extLst>
-              </a:tr>
-              <a:tr h="370840">
-                <a:tc>
-                  <a:txBody>
-                    <a:bodyPr/>
-                    <a:lstStyle/>
-                    <a:p>
-                      <a:r>
-                        <a:rPr lang="en-US" dirty="0"/>
-                        <a:t>New York</a:t>
-                      </a:r>
-                    </a:p>
-                  </a:txBody>
-                  <a:tcPr/>
-                </a:tc>
-                <a:tc>
-                  <a:txBody>
-                    <a:bodyPr/>
-                    <a:lstStyle/>
-                    <a:p>
-                      <a:r>
-                        <a:rPr lang="en-US" dirty="0"/>
-                        <a:t>18000</a:t>
-                      </a:r>
-                    </a:p>
-                  </a:txBody>
-                  <a:tcPr/>
-                </a:tc>
-                <a:extLst>
-                  <a:ext uri="{0D108BD9-81ED-4DB2-BD59-A6C34878D82A}">
-                    <a16:rowId xmlns:a16="http://schemas.microsoft.com/office/drawing/2014/main" val="1448452548"/>
-                  </a:ext>
-                </a:extLst>
-              </a:tr>
-              <a:tr h="370840">
-                <a:tc>
-                  <a:txBody>
-                    <a:bodyPr/>
-                    <a:lstStyle/>
-                    <a:p>
-                      <a:r>
-                        <a:rPr lang="en-US" dirty="0"/>
-                        <a:t>Chicago</a:t>
-                      </a:r>
-                    </a:p>
-                  </a:txBody>
-                  <a:tcPr/>
-                </a:tc>
-                <a:tc>
-                  <a:txBody>
-                    <a:bodyPr/>
-                    <a:lstStyle/>
-                    <a:p>
-                      <a:r>
-                        <a:rPr lang="en-US" dirty="0"/>
-                        <a:t>16500</a:t>
-                      </a:r>
-                    </a:p>
-                  </a:txBody>
-                  <a:tcPr/>
-                </a:tc>
-                <a:extLst>
-                  <a:ext uri="{0D108BD9-81ED-4DB2-BD59-A6C34878D82A}">
-                    <a16:rowId xmlns:a16="http://schemas.microsoft.com/office/drawing/2014/main" val="1068623395"/>
-                  </a:ext>
-                </a:extLst>
-              </a:tr>
-              <a:tr h="370840">
-                <a:tc>
-                  <a:txBody>
-                    <a:bodyPr/>
-                    <a:lstStyle/>
-                    <a:p>
-                      <a:r>
-                        <a:rPr lang="en-US" dirty="0"/>
-                        <a:t>…</a:t>
-                      </a:r>
-                    </a:p>
-                  </a:txBody>
-                  <a:tcPr/>
-                </a:tc>
-                <a:tc>
-                  <a:txBody>
-                    <a:bodyPr/>
-                    <a:lstStyle/>
-                    <a:p>
-                      <a:r>
-                        <a:rPr lang="en-US" dirty="0"/>
-                        <a:t>…</a:t>
-                      </a:r>
-                    </a:p>
-                  </a:txBody>
-                  <a:tcPr/>
-                </a:tc>
-                <a:extLst>
-                  <a:ext uri="{0D108BD9-81ED-4DB2-BD59-A6C34878D82A}">
-                    <a16:rowId xmlns:a16="http://schemas.microsoft.com/office/drawing/2014/main" val="211372838"/>
-                  </a:ext>
-                </a:extLst>
-              </a:tr>
-            </a:tbl>
-          </a:graphicData>
-        </a:graphic>
-      </p:graphicFrame>
-      <p:cxnSp>
-        <p:nvCxnSpPr>
-          <p:cNvPr id="16" name="Straight Arrow Connector 15">
-            <a:extLst>
-              <a:ext uri="{FF2B5EF4-FFF2-40B4-BE49-F238E27FC236}">
-                <a16:creationId xmlns:a16="http://schemas.microsoft.com/office/drawing/2014/main" id="{D55B9770-C7C2-CF6E-152B-B5FF8B4F5BC8}"/>
-              </a:ext>
-            </a:extLst>
-          </p:cNvPr>
-          <p:cNvCxnSpPr>
-            <a:cxnSpLocks/>
-          </p:cNvCxnSpPr>
-          <p:nvPr/>
-        </p:nvCxnSpPr>
-        <p:spPr>
-          <a:xfrm>
-            <a:off x="8693426" y="3251715"/>
-            <a:ext cx="0" cy="1148007"/>
-          </a:xfrm>
-          <a:prstGeom prst="straightConnector1">
-            <a:avLst/>
-          </a:prstGeom>
-          <a:ln>
-            <a:tailEnd type="triangle"/>
-          </a:ln>
-        </p:spPr>
-        <p:style>
-          <a:lnRef idx="1">
-            <a:schemeClr val="dk1"/>
-          </a:lnRef>
-          <a:fillRef idx="0">
-            <a:schemeClr val="dk1"/>
-          </a:fillRef>
-          <a:effectRef idx="0">
-            <a:schemeClr val="dk1"/>
-          </a:effectRef>
-          <a:fontRef idx="minor">
-            <a:schemeClr val="tx1"/>
-          </a:fontRef>
-        </p:style>
-      </p:cxnSp>
       <p:sp>
         <p:nvSpPr>
           <p:cNvPr id="8" name="Right Brace 7">
@@ -6337,224 +5519,6 @@
     <p:extLst>
       <p:ext uri="{BB962C8B-B14F-4D97-AF65-F5344CB8AC3E}">
         <p14:creationId xmlns:p14="http://schemas.microsoft.com/office/powerpoint/2010/main" val="3218007679"/>
-      </p:ext>
-    </p:extLst>
-  </p:cSld>
-  <p:clrMapOvr>
-    <a:masterClrMapping/>
-  </p:clrMapOvr>
-</p:sld>
-</file>
-
-<file path=ppt/slides/slide6.xml><?xml version="1.0" encoding="utf-8"?>
-<p:sld xmlns:a="http://schemas.openxmlformats.org/drawingml/2006/main" xmlns:r="http://schemas.openxmlformats.org/officeDocument/2006/relationships" xmlns:p="http://schemas.openxmlformats.org/presentationml/2006/main">
-  <p:cSld>
-    <p:spTree>
-      <p:nvGrpSpPr>
-        <p:cNvPr id="1" name=""/>
-        <p:cNvGrpSpPr/>
-        <p:nvPr/>
-      </p:nvGrpSpPr>
-      <p:grpSpPr>
-        <a:xfrm>
-          <a:off x="0" y="0"/>
-          <a:ext cx="0" cy="0"/>
-          <a:chOff x="0" y="0"/>
-          <a:chExt cx="0" cy="0"/>
-        </a:xfrm>
-      </p:grpSpPr>
-      <p:sp>
-        <p:nvSpPr>
-          <p:cNvPr id="5" name="Right Brace 4">
-            <a:extLst>
-              <a:ext uri="{FF2B5EF4-FFF2-40B4-BE49-F238E27FC236}">
-                <a16:creationId xmlns:a16="http://schemas.microsoft.com/office/drawing/2014/main" id="{A9598496-40B7-68ED-6115-DA1386A84099}"/>
-              </a:ext>
-            </a:extLst>
-          </p:cNvPr>
-          <p:cNvSpPr/>
-          <p:nvPr/>
-        </p:nvSpPr>
-        <p:spPr>
-          <a:xfrm>
-            <a:off x="5340626" y="2955235"/>
-            <a:ext cx="352090" cy="1179443"/>
-          </a:xfrm>
-          <a:prstGeom prst="rightBrace">
-            <a:avLst/>
-          </a:prstGeom>
-        </p:spPr>
-        <p:style>
-          <a:lnRef idx="1">
-            <a:schemeClr val="dk1"/>
-          </a:lnRef>
-          <a:fillRef idx="0">
-            <a:schemeClr val="dk1"/>
-          </a:fillRef>
-          <a:effectRef idx="0">
-            <a:schemeClr val="dk1"/>
-          </a:effectRef>
-          <a:fontRef idx="minor">
-            <a:schemeClr val="tx1"/>
-          </a:fontRef>
-        </p:style>
-        <p:txBody>
-          <a:bodyPr rtlCol="0" anchor="ctr"/>
-          <a:lstStyle/>
-          <a:p>
-            <a:pPr algn="ctr"/>
-            <a:endParaRPr lang="en-US"/>
-          </a:p>
-        </p:txBody>
-      </p:sp>
-      <p:sp>
-        <p:nvSpPr>
-          <p:cNvPr id="6" name="TextBox 5">
-            <a:extLst>
-              <a:ext uri="{FF2B5EF4-FFF2-40B4-BE49-F238E27FC236}">
-                <a16:creationId xmlns:a16="http://schemas.microsoft.com/office/drawing/2014/main" id="{EE26F1D3-E24B-3092-2581-269A43E17196}"/>
-              </a:ext>
-            </a:extLst>
-          </p:cNvPr>
-          <p:cNvSpPr txBox="1"/>
-          <p:nvPr/>
-        </p:nvSpPr>
-        <p:spPr>
-          <a:xfrm>
-            <a:off x="5671025" y="3360290"/>
-            <a:ext cx="1656522" cy="369332"/>
-          </a:xfrm>
-          <a:prstGeom prst="rect">
-            <a:avLst/>
-          </a:prstGeom>
-          <a:noFill/>
-        </p:spPr>
-        <p:txBody>
-          <a:bodyPr wrap="square" rtlCol="0">
-            <a:spAutoFit/>
-          </a:bodyPr>
-          <a:lstStyle/>
-          <a:p>
-            <a:r>
-              <a:rPr lang="en-US" b="1" dirty="0"/>
-              <a:t>Inner Query</a:t>
-            </a:r>
-          </a:p>
-        </p:txBody>
-      </p:sp>
-      <p:sp>
-        <p:nvSpPr>
-          <p:cNvPr id="7" name="Right Brace 6">
-            <a:extLst>
-              <a:ext uri="{FF2B5EF4-FFF2-40B4-BE49-F238E27FC236}">
-                <a16:creationId xmlns:a16="http://schemas.microsoft.com/office/drawing/2014/main" id="{5CCA009E-C187-7CDC-F190-A37916A8692C}"/>
-              </a:ext>
-            </a:extLst>
-          </p:cNvPr>
-          <p:cNvSpPr/>
-          <p:nvPr/>
-        </p:nvSpPr>
-        <p:spPr>
-          <a:xfrm>
-            <a:off x="5320748" y="1689651"/>
-            <a:ext cx="352090" cy="1179443"/>
-          </a:xfrm>
-          <a:prstGeom prst="rightBrace">
-            <a:avLst/>
-          </a:prstGeom>
-        </p:spPr>
-        <p:style>
-          <a:lnRef idx="1">
-            <a:schemeClr val="dk1"/>
-          </a:lnRef>
-          <a:fillRef idx="0">
-            <a:schemeClr val="dk1"/>
-          </a:fillRef>
-          <a:effectRef idx="0">
-            <a:schemeClr val="dk1"/>
-          </a:effectRef>
-          <a:fontRef idx="minor">
-            <a:schemeClr val="tx1"/>
-          </a:fontRef>
-        </p:style>
-        <p:txBody>
-          <a:bodyPr rtlCol="0" anchor="ctr"/>
-          <a:lstStyle/>
-          <a:p>
-            <a:pPr algn="ctr"/>
-            <a:endParaRPr lang="en-US"/>
-          </a:p>
-        </p:txBody>
-      </p:sp>
-      <p:sp>
-        <p:nvSpPr>
-          <p:cNvPr id="8" name="TextBox 7">
-            <a:extLst>
-              <a:ext uri="{FF2B5EF4-FFF2-40B4-BE49-F238E27FC236}">
-                <a16:creationId xmlns:a16="http://schemas.microsoft.com/office/drawing/2014/main" id="{4376772C-753E-532D-E788-4692099EF840}"/>
-              </a:ext>
-            </a:extLst>
-          </p:cNvPr>
-          <p:cNvSpPr txBox="1"/>
-          <p:nvPr/>
-        </p:nvSpPr>
-        <p:spPr>
-          <a:xfrm>
-            <a:off x="5651149" y="2121212"/>
-            <a:ext cx="1656522" cy="369332"/>
-          </a:xfrm>
-          <a:prstGeom prst="rect">
-            <a:avLst/>
-          </a:prstGeom>
-          <a:noFill/>
-        </p:spPr>
-        <p:txBody>
-          <a:bodyPr wrap="square" rtlCol="0">
-            <a:spAutoFit/>
-          </a:bodyPr>
-          <a:lstStyle/>
-          <a:p>
-            <a:r>
-              <a:rPr lang="en-US" b="1" dirty="0"/>
-              <a:t>Outer Query</a:t>
-            </a:r>
-          </a:p>
-        </p:txBody>
-      </p:sp>
-      <p:pic>
-        <p:nvPicPr>
-          <p:cNvPr id="9" name="Picture 8">
-            <a:extLst>
-              <a:ext uri="{FF2B5EF4-FFF2-40B4-BE49-F238E27FC236}">
-                <a16:creationId xmlns:a16="http://schemas.microsoft.com/office/drawing/2014/main" id="{266BB6CA-512D-6382-425A-60D20C62FDC3}"/>
-              </a:ext>
-            </a:extLst>
-          </p:cNvPr>
-          <p:cNvPicPr>
-            <a:picLocks noChangeAspect="1"/>
-          </p:cNvPicPr>
-          <p:nvPr/>
-        </p:nvPicPr>
-        <p:blipFill>
-          <a:blip r:embed="rId2"/>
-          <a:stretch>
-            <a:fillRect/>
-          </a:stretch>
-        </p:blipFill>
-        <p:spPr>
-          <a:xfrm>
-            <a:off x="476426" y="1285185"/>
-            <a:ext cx="4699000" cy="3340100"/>
-          </a:xfrm>
-          <a:prstGeom prst="rect">
-            <a:avLst/>
-          </a:prstGeom>
-        </p:spPr>
-      </p:pic>
-    </p:spTree>
-    <p:extLst>
-      <p:ext uri="{BB962C8B-B14F-4D97-AF65-F5344CB8AC3E}">
-        <p14:creationId xmlns:p14="http://schemas.microsoft.com/office/powerpoint/2010/main" val="2962219392"/>
       </p:ext>
     </p:extLst>
   </p:cSld>
